--- a/꿀꿀이가계부.pptx
+++ b/꿀꿀이가계부.pptx
@@ -14589,20 +14589,7 @@
                 <a:latin typeface="+mj-ea"/>
                 <a:ea typeface="+mj-ea"/>
               </a:rPr>
-              <a:t>캘린더 </a:t>
-            </a:r>
-            <a:r>
-              <a:rPr lang="ko-KR" altLang="en-US" sz="2000" dirty="0" err="1">
-                <a:solidFill>
-                  <a:schemeClr val="tx1">
-                    <a:lumMod val="65000"/>
-                    <a:lumOff val="35000"/>
-                  </a:schemeClr>
-                </a:solidFill>
-                <a:latin typeface="+mj-ea"/>
-                <a:ea typeface="+mj-ea"/>
-              </a:rPr>
-              <a:t>뷰</a:t>
+              <a:t>커스텀 캘린더</a:t>
             </a:r>
             <a:r>
               <a:rPr lang="en-US" altLang="ko-KR" sz="2000" dirty="0">
@@ -15020,7 +15007,7 @@
         <p:spPr bwMode="auto">
           <a:xfrm>
             <a:off x="6096000" y="976462"/>
-            <a:ext cx="6015728" cy="4616648"/>
+            <a:ext cx="6015728" cy="5078313"/>
           </a:xfrm>
           <a:prstGeom prst="rect">
             <a:avLst/>
@@ -15072,7 +15059,33 @@
                 <a:latin typeface="+mj-ea"/>
                 <a:ea typeface="+mj-ea"/>
               </a:rPr>
-              <a:t>계산기 기능 및 복사기능을 제공하여 손쉽게 입력 및 검색 가능</a:t>
+              <a:t>계산기 및 복사 기능을 제공하여 손 쉬운 입</a:t>
+            </a:r>
+            <a:r>
+              <a:rPr lang="en-US" altLang="ko-KR" sz="2000" dirty="0">
+                <a:solidFill>
+                  <a:schemeClr val="tx1">
+                    <a:lumMod val="65000"/>
+                    <a:lumOff val="35000"/>
+                  </a:schemeClr>
+                </a:solidFill>
+                <a:latin typeface="+mj-ea"/>
+                <a:ea typeface="+mj-ea"/>
+              </a:rPr>
+              <a:t>/</a:t>
+            </a:r>
+            <a:r>
+              <a:rPr lang="ko-KR" altLang="en-US" sz="2000" dirty="0">
+                <a:solidFill>
+                  <a:schemeClr val="tx1">
+                    <a:lumMod val="65000"/>
+                    <a:lumOff val="35000"/>
+                  </a:schemeClr>
+                </a:solidFill>
+                <a:latin typeface="+mj-ea"/>
+                <a:ea typeface="+mj-ea"/>
+              </a:rPr>
+              <a:t>지출 기입</a:t>
             </a:r>
             <a:endParaRPr lang="en-US" altLang="ko-KR" sz="2000" dirty="0">
               <a:solidFill>
@@ -15130,6 +15143,23 @@
               </a:rPr>
               <a:t>-</a:t>
             </a:r>
+          </a:p>
+          <a:p>
+            <a:pPr algn="ctr">
+              <a:lnSpc>
+                <a:spcPct val="150000"/>
+              </a:lnSpc>
+            </a:pPr>
+            <a:endParaRPr lang="en-US" altLang="ko-KR" sz="2000" dirty="0">
+              <a:solidFill>
+                <a:schemeClr val="tx1">
+                  <a:lumMod val="65000"/>
+                  <a:lumOff val="35000"/>
+                </a:schemeClr>
+              </a:solidFill>
+              <a:latin typeface="+mj-ea"/>
+              <a:ea typeface="+mj-ea"/>
+            </a:endParaRPr>
           </a:p>
           <a:p>
             <a:pPr algn="ctr">
